--- a/Software Presentation.pptx
+++ b/Software Presentation.pptx
@@ -11,9 +11,10 @@
     <p:sldId id="266" r:id="rId5"/>
     <p:sldId id="262" r:id="rId6"/>
     <p:sldId id="265" r:id="rId7"/>
-    <p:sldId id="267" r:id="rId8"/>
-    <p:sldId id="268" r:id="rId9"/>
-    <p:sldId id="263" r:id="rId10"/>
+    <p:sldId id="269" r:id="rId8"/>
+    <p:sldId id="267" r:id="rId9"/>
+    <p:sldId id="268" r:id="rId10"/>
+    <p:sldId id="263" r:id="rId11"/>
   </p:sldIdLst>
   <p:sldSz cx="12192000" cy="6858000"/>
   <p:notesSz cx="6858000" cy="9144000"/>
@@ -6308,6 +6309,71 @@
 </p:sld>
 </file>
 
+<file path=ppt/slides/slide10.xml><?xml version="1.0" encoding="utf-8"?>
+<p:sld xmlns:a="http://schemas.openxmlformats.org/drawingml/2006/main" xmlns:r="http://schemas.openxmlformats.org/officeDocument/2006/relationships" xmlns:p="http://schemas.openxmlformats.org/presentationml/2006/main">
+  <p:cSld>
+    <p:spTree>
+      <p:nvGrpSpPr>
+        <p:cNvPr id="1" name=""/>
+        <p:cNvGrpSpPr/>
+        <p:nvPr/>
+      </p:nvGrpSpPr>
+      <p:grpSpPr>
+        <a:xfrm>
+          <a:off x="0" y="0"/>
+          <a:ext cx="0" cy="0"/>
+          <a:chOff x="0" y="0"/>
+          <a:chExt cx="0" cy="0"/>
+        </a:xfrm>
+      </p:grpSpPr>
+      <p:sp>
+        <p:nvSpPr>
+          <p:cNvPr id="2" name="Title 1">
+            <a:extLst>
+              <a:ext uri="{FF2B5EF4-FFF2-40B4-BE49-F238E27FC236}">
+                <a16:creationId xmlns:a16="http://schemas.microsoft.com/office/drawing/2014/main" id="{4070AA19-0660-4930-B99C-494B95CB5F15}"/>
+              </a:ext>
+            </a:extLst>
+          </p:cNvPr>
+          <p:cNvSpPr>
+            <a:spLocks noGrp="1"/>
+          </p:cNvSpPr>
+          <p:nvPr>
+            <p:ph type="title" idx="4294967295"/>
+          </p:nvPr>
+        </p:nvSpPr>
+        <p:spPr>
+          <a:xfrm>
+            <a:off x="3700462" y="2610580"/>
+            <a:ext cx="4791075" cy="1450975"/>
+          </a:xfrm>
+        </p:spPr>
+        <p:txBody>
+          <a:bodyPr>
+            <a:normAutofit/>
+          </a:bodyPr>
+          <a:lstStyle/>
+          <a:p>
+            <a:r>
+              <a:rPr lang="en-US" sz="7200" dirty="0"/>
+              <a:t>Thank You</a:t>
+            </a:r>
+          </a:p>
+        </p:txBody>
+      </p:sp>
+    </p:spTree>
+    <p:extLst>
+      <p:ext uri="{BB962C8B-B14F-4D97-AF65-F5344CB8AC3E}">
+        <p14:creationId xmlns:p14="http://schemas.microsoft.com/office/powerpoint/2010/main" val="2308845706"/>
+      </p:ext>
+    </p:extLst>
+  </p:cSld>
+  <p:clrMapOvr>
+    <a:masterClrMapping/>
+  </p:clrMapOvr>
+</p:sld>
+</file>
+
 <file path=ppt/slides/slide2.xml><?xml version="1.0" encoding="utf-8"?>
 <p:sld xmlns:a="http://schemas.openxmlformats.org/drawingml/2006/main" xmlns:r="http://schemas.openxmlformats.org/officeDocument/2006/relationships" xmlns:p="http://schemas.openxmlformats.org/presentationml/2006/main">
   <p:cSld>
@@ -8325,6 +8391,100 @@
 </file>
 
 <file path=ppt/slides/slide6.xml><?xml version="1.0" encoding="utf-8"?>
+<p:sld xmlns:a="http://schemas.openxmlformats.org/drawingml/2006/main" xmlns:r="http://schemas.openxmlformats.org/officeDocument/2006/relationships" xmlns:p="http://schemas.openxmlformats.org/presentationml/2006/main">
+  <p:cSld>
+    <p:spTree>
+      <p:nvGrpSpPr>
+        <p:cNvPr id="1" name=""/>
+        <p:cNvGrpSpPr/>
+        <p:nvPr/>
+      </p:nvGrpSpPr>
+      <p:grpSpPr>
+        <a:xfrm>
+          <a:off x="0" y="0"/>
+          <a:ext cx="0" cy="0"/>
+          <a:chOff x="0" y="0"/>
+          <a:chExt cx="0" cy="0"/>
+        </a:xfrm>
+      </p:grpSpPr>
+      <p:sp>
+        <p:nvSpPr>
+          <p:cNvPr id="2" name="Title 1">
+            <a:extLst>
+              <a:ext uri="{FF2B5EF4-FFF2-40B4-BE49-F238E27FC236}">
+                <a16:creationId xmlns:a16="http://schemas.microsoft.com/office/drawing/2014/main" id="{4070AA19-0660-4930-B99C-494B95CB5F15}"/>
+              </a:ext>
+            </a:extLst>
+          </p:cNvPr>
+          <p:cNvSpPr>
+            <a:spLocks noGrp="1"/>
+          </p:cNvSpPr>
+          <p:nvPr>
+            <p:ph type="title"/>
+          </p:nvPr>
+        </p:nvSpPr>
+        <p:spPr>
+          <a:xfrm>
+            <a:off x="677333" y="609600"/>
+            <a:ext cx="10385147" cy="1320800"/>
+          </a:xfrm>
+        </p:spPr>
+        <p:txBody>
+          <a:bodyPr>
+            <a:noAutofit/>
+          </a:bodyPr>
+          <a:lstStyle/>
+          <a:p>
+            <a:r>
+              <a:rPr lang="en-US" sz="4400" dirty="0">
+                <a:latin typeface="Calibri" panose="020F0502020204030204" pitchFamily="34" charset="0"/>
+                <a:ea typeface="Calibri" panose="020F0502020204030204" pitchFamily="34" charset="0"/>
+                <a:cs typeface="Times New Roman" panose="02020603050405020304" pitchFamily="18" charset="0"/>
+              </a:rPr>
+              <a:t>IntelliReco: Dashboard page</a:t>
+            </a:r>
+            <a:endParaRPr lang="en-US" sz="4400" dirty="0"/>
+          </a:p>
+        </p:txBody>
+      </p:sp>
+      <p:pic>
+        <p:nvPicPr>
+          <p:cNvPr id="6" name="Picture 5"/>
+          <p:cNvPicPr>
+            <a:picLocks noChangeAspect="1"/>
+          </p:cNvPicPr>
+          <p:nvPr/>
+        </p:nvPicPr>
+        <p:blipFill>
+          <a:blip r:embed="rId2"/>
+          <a:stretch>
+            <a:fillRect/>
+          </a:stretch>
+        </p:blipFill>
+        <p:spPr>
+          <a:xfrm>
+            <a:off x="895738" y="1760370"/>
+            <a:ext cx="9498564" cy="4458725"/>
+          </a:xfrm>
+          <a:prstGeom prst="rect">
+            <a:avLst/>
+          </a:prstGeom>
+        </p:spPr>
+      </p:pic>
+    </p:spTree>
+    <p:extLst>
+      <p:ext uri="{BB962C8B-B14F-4D97-AF65-F5344CB8AC3E}">
+        <p14:creationId xmlns:p14="http://schemas.microsoft.com/office/powerpoint/2010/main" val="2820699079"/>
+      </p:ext>
+    </p:extLst>
+  </p:cSld>
+  <p:clrMapOvr>
+    <a:masterClrMapping/>
+  </p:clrMapOvr>
+</p:sld>
+</file>
+
+<file path=ppt/slides/slide7.xml><?xml version="1.0" encoding="utf-8"?>
 <p:sld xmlns:a="http://schemas.openxmlformats.org/drawingml/2006/main" xmlns:r="http://schemas.openxmlformats.org/officeDocument/2006/relationships" xmlns:p="http://schemas.openxmlformats.org/presentationml/2006/main">
   <p:cSld>
     <p:spTree>
@@ -8443,7 +8603,7 @@
     </p:spTree>
     <p:extLst>
       <p:ext uri="{BB962C8B-B14F-4D97-AF65-F5344CB8AC3E}">
-        <p14:creationId xmlns:p14="http://schemas.microsoft.com/office/powerpoint/2010/main" val="2820699079"/>
+        <p14:creationId xmlns:p14="http://schemas.microsoft.com/office/powerpoint/2010/main" val="4037860438"/>
       </p:ext>
     </p:extLst>
   </p:cSld>
@@ -8453,7 +8613,7 @@
 </p:sld>
 </file>
 
-<file path=ppt/slides/slide7.xml><?xml version="1.0" encoding="utf-8"?>
+<file path=ppt/slides/slide8.xml><?xml version="1.0" encoding="utf-8"?>
 <p:sld xmlns:a="http://schemas.openxmlformats.org/drawingml/2006/main" xmlns:r="http://schemas.openxmlformats.org/officeDocument/2006/relationships" xmlns:p="http://schemas.openxmlformats.org/presentationml/2006/main">
   <p:cSld>
     <p:spTree>
@@ -8598,7 +8758,7 @@
 </p:sld>
 </file>
 
-<file path=ppt/slides/slide8.xml><?xml version="1.0" encoding="utf-8"?>
+<file path=ppt/slides/slide9.xml><?xml version="1.0" encoding="utf-8"?>
 <p:sld xmlns:a="http://schemas.openxmlformats.org/drawingml/2006/main" xmlns:r="http://schemas.openxmlformats.org/officeDocument/2006/relationships" xmlns:p="http://schemas.openxmlformats.org/presentationml/2006/main">
   <p:cSld>
     <p:spTree>
@@ -8718,71 +8878,6 @@
     <p:extLst>
       <p:ext uri="{BB962C8B-B14F-4D97-AF65-F5344CB8AC3E}">
         <p14:creationId xmlns:p14="http://schemas.microsoft.com/office/powerpoint/2010/main" val="1977475819"/>
-      </p:ext>
-    </p:extLst>
-  </p:cSld>
-  <p:clrMapOvr>
-    <a:masterClrMapping/>
-  </p:clrMapOvr>
-</p:sld>
-</file>
-
-<file path=ppt/slides/slide9.xml><?xml version="1.0" encoding="utf-8"?>
-<p:sld xmlns:a="http://schemas.openxmlformats.org/drawingml/2006/main" xmlns:r="http://schemas.openxmlformats.org/officeDocument/2006/relationships" xmlns:p="http://schemas.openxmlformats.org/presentationml/2006/main">
-  <p:cSld>
-    <p:spTree>
-      <p:nvGrpSpPr>
-        <p:cNvPr id="1" name=""/>
-        <p:cNvGrpSpPr/>
-        <p:nvPr/>
-      </p:nvGrpSpPr>
-      <p:grpSpPr>
-        <a:xfrm>
-          <a:off x="0" y="0"/>
-          <a:ext cx="0" cy="0"/>
-          <a:chOff x="0" y="0"/>
-          <a:chExt cx="0" cy="0"/>
-        </a:xfrm>
-      </p:grpSpPr>
-      <p:sp>
-        <p:nvSpPr>
-          <p:cNvPr id="2" name="Title 1">
-            <a:extLst>
-              <a:ext uri="{FF2B5EF4-FFF2-40B4-BE49-F238E27FC236}">
-                <a16:creationId xmlns:a16="http://schemas.microsoft.com/office/drawing/2014/main" id="{4070AA19-0660-4930-B99C-494B95CB5F15}"/>
-              </a:ext>
-            </a:extLst>
-          </p:cNvPr>
-          <p:cNvSpPr>
-            <a:spLocks noGrp="1"/>
-          </p:cNvSpPr>
-          <p:nvPr>
-            <p:ph type="title" idx="4294967295"/>
-          </p:nvPr>
-        </p:nvSpPr>
-        <p:spPr>
-          <a:xfrm>
-            <a:off x="3700462" y="2631244"/>
-            <a:ext cx="4791075" cy="1450975"/>
-          </a:xfrm>
-        </p:spPr>
-        <p:txBody>
-          <a:bodyPr>
-            <a:normAutofit/>
-          </a:bodyPr>
-          <a:lstStyle/>
-          <a:p>
-            <a:r>
-              <a:rPr lang="en-US" sz="7200" dirty="0"/>
-              <a:t>Thank You</a:t>
-            </a:r>
-          </a:p>
-        </p:txBody>
-      </p:sp>
-    </p:spTree>
-    <p:extLst>
-      <p:ext uri="{BB962C8B-B14F-4D97-AF65-F5344CB8AC3E}">
-        <p14:creationId xmlns:p14="http://schemas.microsoft.com/office/powerpoint/2010/main" val="2308845706"/>
       </p:ext>
     </p:extLst>
   </p:cSld>
